--- a/test_debug_report.pptx
+++ b/test_debug_report.pptx
@@ -844,7 +844,7 @@
             <a:fld id="{B61BEF0D-F0BB-DE4B-95CE-6DB70DBA9567}" type="datetimeFigureOut">
               <a:rPr lang="en-US" dirty="0"/>
               <a:pPr/>
-              <a:t>12/15/24</a:t>
+              <a:t>12/20/24</a:t>
             </a:fld>
             <a:endParaRPr lang="en-US" dirty="0"/>
           </a:p>
@@ -1092,7 +1092,7 @@
             <a:fld id="{B61BEF0D-F0BB-DE4B-95CE-6DB70DBA9567}" type="datetimeFigureOut">
               <a:rPr lang="en-US" dirty="0"/>
               <a:pPr/>
-              <a:t>12/15/24</a:t>
+              <a:t>12/20/24</a:t>
             </a:fld>
             <a:endParaRPr lang="en-US" dirty="0"/>
           </a:p>
@@ -1403,7 +1403,7 @@
             <a:fld id="{B61BEF0D-F0BB-DE4B-95CE-6DB70DBA9567}" type="datetimeFigureOut">
               <a:rPr lang="en-US" dirty="0"/>
               <a:pPr/>
-              <a:t>12/15/24</a:t>
+              <a:t>12/20/24</a:t>
             </a:fld>
             <a:endParaRPr lang="en-US" dirty="0"/>
           </a:p>
@@ -1741,7 +1741,7 @@
             <a:fld id="{B61BEF0D-F0BB-DE4B-95CE-6DB70DBA9567}" type="datetimeFigureOut">
               <a:rPr lang="en-US" dirty="0"/>
               <a:pPr/>
-              <a:t>12/15/24</a:t>
+              <a:t>12/20/24</a:t>
             </a:fld>
             <a:endParaRPr lang="en-US" dirty="0"/>
           </a:p>
@@ -2052,7 +2052,7 @@
             <a:fld id="{B61BEF0D-F0BB-DE4B-95CE-6DB70DBA9567}" type="datetimeFigureOut">
               <a:rPr lang="en-US" dirty="0"/>
               <a:pPr/>
-              <a:t>12/15/24</a:t>
+              <a:t>12/20/24</a:t>
             </a:fld>
             <a:endParaRPr lang="en-US" dirty="0"/>
           </a:p>
@@ -2442,7 +2442,7 @@
             <a:fld id="{B61BEF0D-F0BB-DE4B-95CE-6DB70DBA9567}" type="datetimeFigureOut">
               <a:rPr lang="en-US" dirty="0"/>
               <a:pPr/>
-              <a:t>12/15/24</a:t>
+              <a:t>12/20/24</a:t>
             </a:fld>
             <a:endParaRPr lang="en-US" dirty="0"/>
           </a:p>
@@ -2640,7 +2640,7 @@
           <a:p>
             <a:fld id="{55C6B4A9-1611-4792-9094-5F34BCA07E0B}" type="datetimeFigureOut">
               <a:rPr lang="en-US" dirty="0"/>
-              <a:t>12/15/24</a:t>
+              <a:t>12/20/24</a:t>
             </a:fld>
             <a:endParaRPr lang="en-US" dirty="0"/>
           </a:p>
@@ -2848,7 +2848,7 @@
             <a:fld id="{B61BEF0D-F0BB-DE4B-95CE-6DB70DBA9567}" type="datetimeFigureOut">
               <a:rPr lang="en-US" dirty="0"/>
               <a:pPr/>
-              <a:t>12/15/24</a:t>
+              <a:t>12/20/24</a:t>
             </a:fld>
             <a:endParaRPr lang="en-US" dirty="0"/>
           </a:p>
@@ -3053,7 +3053,7 @@
             <a:fld id="{B61BEF0D-F0BB-DE4B-95CE-6DB70DBA9567}" type="datetimeFigureOut">
               <a:rPr lang="en-US" dirty="0"/>
               <a:pPr/>
-              <a:t>12/15/24</a:t>
+              <a:t>12/20/24</a:t>
             </a:fld>
             <a:endParaRPr lang="en-US" dirty="0"/>
           </a:p>
@@ -3297,7 +3297,7 @@
             <a:fld id="{B61BEF0D-F0BB-DE4B-95CE-6DB70DBA9567}" type="datetimeFigureOut">
               <a:rPr lang="en-US" dirty="0"/>
               <a:pPr/>
-              <a:t>12/15/24</a:t>
+              <a:t>12/20/24</a:t>
             </a:fld>
             <a:endParaRPr lang="en-US" dirty="0"/>
           </a:p>
@@ -3589,7 +3589,7 @@
           <a:p>
             <a:fld id="{EB712588-04B1-427B-82EE-E8DB90309F08}" type="datetimeFigureOut">
               <a:rPr lang="en-US" dirty="0"/>
-              <a:t>12/15/24</a:t>
+              <a:t>12/20/24</a:t>
             </a:fld>
             <a:endParaRPr lang="en-US" dirty="0"/>
           </a:p>
@@ -4023,7 +4023,7 @@
             <a:fld id="{B61BEF0D-F0BB-DE4B-95CE-6DB70DBA9567}" type="datetimeFigureOut">
               <a:rPr lang="en-US" dirty="0"/>
               <a:pPr/>
-              <a:t>12/15/24</a:t>
+              <a:t>12/20/24</a:t>
             </a:fld>
             <a:endParaRPr lang="en-US" dirty="0"/>
           </a:p>
@@ -4143,7 +4143,7 @@
             <a:fld id="{B61BEF0D-F0BB-DE4B-95CE-6DB70DBA9567}" type="datetimeFigureOut">
               <a:rPr lang="en-US" dirty="0"/>
               <a:pPr/>
-              <a:t>12/15/24</a:t>
+              <a:t>12/20/24</a:t>
             </a:fld>
             <a:endParaRPr lang="en-US" dirty="0"/>
           </a:p>
@@ -4235,7 +4235,7 @@
             <a:fld id="{B61BEF0D-F0BB-DE4B-95CE-6DB70DBA9567}" type="datetimeFigureOut">
               <a:rPr lang="en-US" dirty="0"/>
               <a:pPr/>
-              <a:t>12/15/24</a:t>
+              <a:t>12/20/24</a:t>
             </a:fld>
             <a:endParaRPr lang="en-US" dirty="0"/>
           </a:p>
@@ -4518,7 +4518,7 @@
           <a:p>
             <a:fld id="{42A54C80-263E-416B-A8E0-580EDEADCBDC}" type="datetimeFigureOut">
               <a:rPr lang="en-US" dirty="0"/>
-              <a:t>12/15/24</a:t>
+              <a:t>12/20/24</a:t>
             </a:fld>
             <a:endParaRPr lang="en-US" dirty="0"/>
           </a:p>
@@ -4777,7 +4777,7 @@
             <a:fld id="{B61BEF0D-F0BB-DE4B-95CE-6DB70DBA9567}" type="datetimeFigureOut">
               <a:rPr lang="en-US" dirty="0"/>
               <a:pPr/>
-              <a:t>12/15/24</a:t>
+              <a:t>12/20/24</a:t>
             </a:fld>
             <a:endParaRPr lang="en-US" dirty="0"/>
           </a:p>
@@ -5549,7 +5549,7 @@
             <a:fld id="{B61BEF0D-F0BB-DE4B-95CE-6DB70DBA9567}" type="datetimeFigureOut">
               <a:rPr lang="en-US" dirty="0"/>
               <a:pPr/>
-              <a:t>12/15/24</a:t>
+              <a:t>12/20/24</a:t>
             </a:fld>
             <a:endParaRPr lang="en-US" dirty="0"/>
           </a:p>
@@ -6158,7 +6158,7 @@
           <a:p>
             <a:r>
               <a:rPr lang="ja-JP" altLang="en-US" sz="2400"/>
-              <a:t>自動テストをやる上で障害だったこと</a:t>
+              <a:t>ゼロイチではなく現場に合った方法を</a:t>
             </a:r>
             <a:endParaRPr kumimoji="1" lang="ja-JP" altLang="en-US" sz="2400"/>
           </a:p>
@@ -6424,6 +6424,51 @@
           </a:p>
         </p:txBody>
       </p:sp>
+      <p:sp>
+        <p:nvSpPr>
+          <p:cNvPr id="4" name="コンテンツ プレースホルダー 2">
+            <a:extLst>
+              <a:ext uri="{FF2B5EF4-FFF2-40B4-BE49-F238E27FC236}">
+                <a16:creationId xmlns:a16="http://schemas.microsoft.com/office/drawing/2014/main" id="{91FAA253-EE08-B660-EE4F-AC9E7DAD037E}"/>
+              </a:ext>
+            </a:extLst>
+          </p:cNvPr>
+          <p:cNvSpPr>
+            <a:spLocks noGrp="1"/>
+          </p:cNvSpPr>
+          <p:nvPr>
+            <p:ph idx="1"/>
+          </p:nvPr>
+        </p:nvSpPr>
+        <p:spPr>
+          <a:xfrm>
+            <a:off x="677333" y="1470455"/>
+            <a:ext cx="9652915" cy="2310713"/>
+          </a:xfrm>
+        </p:spPr>
+        <p:txBody>
+          <a:bodyPr>
+            <a:normAutofit/>
+          </a:bodyPr>
+          <a:lstStyle/>
+          <a:p>
+            <a:pPr lvl="1"/>
+            <a:r>
+              <a:rPr lang="ja-JP" altLang="en-US"/>
+              <a:t>政治的要因、技術的要因を踏まえて正解を考えることが大切</a:t>
+            </a:r>
+            <a:endParaRPr lang="en-US" altLang="ja-JP" dirty="0"/>
+          </a:p>
+          <a:p>
+            <a:pPr lvl="1"/>
+            <a:r>
+              <a:rPr lang="ja-JP" altLang="en-US"/>
+              <a:t>それぞれのメリデメを考えて現場に合った方法を考えることが大切。</a:t>
+            </a:r>
+            <a:endParaRPr lang="en-US" altLang="ja-JP" dirty="0"/>
+          </a:p>
+        </p:txBody>
+      </p:sp>
     </p:spTree>
     <p:extLst>
       <p:ext uri="{BB962C8B-B14F-4D97-AF65-F5344CB8AC3E}">
@@ -6544,7 +6589,7 @@
             <a:pPr lvl="2"/>
             <a:r>
               <a:rPr lang="ja-JP" altLang="en-US" sz="1800"/>
-              <a:t>そもそも仕様の定義すら疑わしいので、本番でエラー出まくり、仕様が丸々ぬけてる、エンドユーザーが実質デバッガ状態。</a:t>
+              <a:t>そもそも仕様の定義すら疑わしいので、本番でエラー出まくり、仕様が丸々ぬけてる、エンドユーザーが実質デバッガ状態など。</a:t>
             </a:r>
             <a:endParaRPr lang="en-US" altLang="ja-JP" sz="1800" dirty="0"/>
           </a:p>
@@ -6599,7 +6644,7 @@
             <a:pPr lvl="2"/>
             <a:r>
               <a:rPr lang="ja-JP" altLang="en-US" sz="1800"/>
-              <a:t>単体テストと自動テスト</a:t>
+              <a:t>自動テストと結合テスト</a:t>
             </a:r>
             <a:endParaRPr lang="en-US" altLang="ja-JP" sz="1800" dirty="0"/>
           </a:p>
@@ -7334,7 +7379,7 @@
             </a:r>
             <a:r>
               <a:rPr lang="en-US" altLang="ja-JP" dirty="0"/>
-              <a:t>5000</a:t>
+              <a:t>2000</a:t>
             </a:r>
             <a:r>
               <a:rPr lang="ja-JP" altLang="en-US"/>
@@ -7384,7 +7429,7 @@
             </a:br>
             <a:r>
               <a:rPr kumimoji="1" lang="en-US" altLang="ja-JP" dirty="0"/>
-              <a:t>(10</a:t>
+              <a:t>(20</a:t>
             </a:r>
             <a:r>
               <a:rPr kumimoji="1" lang="ja-JP" altLang="en-US"/>
@@ -7510,12 +7555,14 @@
         </p:nvSpPr>
         <p:spPr/>
         <p:txBody>
-          <a:bodyPr/>
+          <a:bodyPr>
+            <a:normAutofit/>
+          </a:bodyPr>
           <a:lstStyle/>
           <a:p>
             <a:r>
-              <a:rPr kumimoji="1" lang="ja-JP" altLang="en-US"/>
-              <a:t>苦心の末やっていたテスト効率化</a:t>
+              <a:rPr kumimoji="1" lang="ja-JP" altLang="en-US" sz="3200"/>
+              <a:t>苦心の末やっていたテスト・デバッグ効率化</a:t>
             </a:r>
           </a:p>
         </p:txBody>
@@ -7584,7 +7631,7 @@
           <a:p>
             <a:r>
               <a:rPr lang="ja-JP" altLang="en-US"/>
-              <a:t>参照系はまだいいが、自動系が地獄・・・以下のどれかのできる部分を自動化させる。</a:t>
+              <a:t>参照系はまだいいが、更新系は大変・・・以下のどれかのできる部分を自動化させる。</a:t>
             </a:r>
             <a:endParaRPr lang="en-US" altLang="ja-JP" dirty="0"/>
           </a:p>
@@ -7728,7 +7775,14 @@
           <a:p>
             <a:r>
               <a:rPr lang="ja-JP" altLang="en-US"/>
-              <a:t>テストをする場合、かなり難しくかつ重要なのがそもそものデータを用意すること。テストデータとしては・・・</a:t>
+              <a:t>テストをする場合、かなり難しくかつ重要なのがそもそものデータを用意すること。</a:t>
+            </a:r>
+            <a:br>
+              <a:rPr lang="en-US" altLang="ja-JP" dirty="0"/>
+            </a:br>
+            <a:r>
+              <a:rPr lang="ja-JP" altLang="en-US"/>
+              <a:t>テストデータとしては・・・</a:t>
             </a:r>
             <a:endParaRPr lang="en-US" altLang="ja-JP" dirty="0"/>
           </a:p>
@@ -7878,7 +7932,7 @@
             <p:ph idx="1"/>
             <p:extLst>
               <p:ext uri="{D42A27DB-BD31-4B8C-83A1-F6EECF244321}">
-                <p14:modId xmlns:p14="http://schemas.microsoft.com/office/powerpoint/2010/main" val="69357906"/>
+                <p14:modId xmlns:p14="http://schemas.microsoft.com/office/powerpoint/2010/main" val="3366203989"/>
               </p:ext>
             </p:extLst>
           </p:nvPr>
@@ -8114,17 +8168,6 @@
                       </a:pPr>
                       <a:r>
                         <a:rPr kumimoji="1" lang="ja-JP" altLang="en-US"/>
-                        <a:t>この条件を揃えることが難しい。</a:t>
-                      </a:r>
-                      <a:endParaRPr kumimoji="1" lang="en-US" altLang="ja-JP" dirty="0"/>
-                    </a:p>
-                    <a:p>
-                      <a:pPr marL="285750" indent="-285750">
-                        <a:buFont typeface="Wingdings" pitchFamily="2" charset="2"/>
-                        <a:buChar char="l"/>
-                      </a:pPr>
-                      <a:r>
-                        <a:rPr kumimoji="1" lang="ja-JP" altLang="en-US"/>
                         <a:t>メンテコスト大変。</a:t>
                       </a:r>
                     </a:p>
@@ -8166,6 +8209,7 @@
                         <a:rPr kumimoji="1" lang="ja-JP" altLang="en-US"/>
                         <a:t>メンテコストが大変。</a:t>
                       </a:r>
+                      <a:endParaRPr kumimoji="1" lang="en-US" altLang="ja-JP" dirty="0"/>
                     </a:p>
                   </a:txBody>
                   <a:tcPr/>
@@ -8273,7 +8317,7 @@
         </p:spPr>
         <p:txBody>
           <a:bodyPr>
-            <a:normAutofit/>
+            <a:normAutofit lnSpcReduction="10000"/>
           </a:bodyPr>
           <a:lstStyle/>
           <a:p>
@@ -8289,6 +8333,14 @@
             <a:r>
               <a:rPr lang="ja-JP" altLang="en-US"/>
               <a:t>適度な分割ができており、テストしやすいか</a:t>
+            </a:r>
+            <a:endParaRPr lang="en-US" altLang="ja-JP" dirty="0"/>
+          </a:p>
+          <a:p>
+            <a:pPr lvl="2"/>
+            <a:r>
+              <a:rPr lang="ja-JP" altLang="en-US"/>
+              <a:t>責務が分離されており、テストしやすいか</a:t>
             </a:r>
             <a:endParaRPr lang="en-US" altLang="ja-JP" dirty="0"/>
           </a:p>
